--- a/Lectures/Lecture 07 - Supervised Learning 4.pptx
+++ b/Lectures/Lecture 07 - Supervised Learning 4.pptx
@@ -216,7 +216,7 @@
           <a:p>
             <a:fld id="{9B69B9FF-71BF-6149-A0CB-459184DAAD9F}" type="datetimeFigureOut">
               <a:rPr lang="en-US" smtClean="0"/>
-              <a:t>4/22/17</a:t>
+              <a:t>4/26/17</a:t>
             </a:fld>
             <a:endParaRPr lang="en-US"/>
           </a:p>
@@ -897,7 +897,7 @@
           <a:p>
             <a:fld id="{7C0312F8-2DE2-6B40-83C5-731724CAE2B0}" type="datetimeFigureOut">
               <a:rPr lang="en-US" smtClean="0"/>
-              <a:t>4/22/17</a:t>
+              <a:t>4/26/17</a:t>
             </a:fld>
             <a:endParaRPr lang="en-US"/>
           </a:p>
@@ -1077,7 +1077,7 @@
           <a:p>
             <a:fld id="{7C0312F8-2DE2-6B40-83C5-731724CAE2B0}" type="datetimeFigureOut">
               <a:rPr lang="en-US" smtClean="0"/>
-              <a:t>4/22/17</a:t>
+              <a:t>4/26/17</a:t>
             </a:fld>
             <a:endParaRPr lang="en-US"/>
           </a:p>
@@ -1591,7 +1591,7 @@
           <a:p>
             <a:fld id="{7C0312F8-2DE2-6B40-83C5-731724CAE2B0}" type="datetimeFigureOut">
               <a:rPr lang="en-US" smtClean="0"/>
-              <a:t>4/22/17</a:t>
+              <a:t>4/26/17</a:t>
             </a:fld>
             <a:endParaRPr lang="en-US"/>
           </a:p>
@@ -1879,7 +1879,7 @@
           <a:p>
             <a:fld id="{7C0312F8-2DE2-6B40-83C5-731724CAE2B0}" type="datetimeFigureOut">
               <a:rPr lang="en-US" smtClean="0"/>
-              <a:t>4/22/17</a:t>
+              <a:t>4/26/17</a:t>
             </a:fld>
             <a:endParaRPr lang="en-US"/>
           </a:p>
@@ -2301,7 +2301,7 @@
           <a:p>
             <a:fld id="{7C0312F8-2DE2-6B40-83C5-731724CAE2B0}" type="datetimeFigureOut">
               <a:rPr lang="en-US" smtClean="0"/>
-              <a:t>4/22/17</a:t>
+              <a:t>4/26/17</a:t>
             </a:fld>
             <a:endParaRPr lang="en-US"/>
           </a:p>
@@ -2545,7 +2545,7 @@
           <a:p>
             <a:fld id="{7C0312F8-2DE2-6B40-83C5-731724CAE2B0}" type="datetimeFigureOut">
               <a:rPr lang="en-US" smtClean="0"/>
-              <a:t>4/22/17</a:t>
+              <a:t>4/26/17</a:t>
             </a:fld>
             <a:endParaRPr lang="en-US"/>
           </a:p>
@@ -2822,7 +2822,7 @@
           <a:p>
             <a:fld id="{7C0312F8-2DE2-6B40-83C5-731724CAE2B0}" type="datetimeFigureOut">
               <a:rPr lang="en-US" smtClean="0"/>
-              <a:t>4/22/17</a:t>
+              <a:t>4/26/17</a:t>
             </a:fld>
             <a:endParaRPr lang="en-US"/>
           </a:p>
@@ -3079,7 +3079,7 @@
           <a:p>
             <a:fld id="{7C0312F8-2DE2-6B40-83C5-731724CAE2B0}" type="datetimeFigureOut">
               <a:rPr lang="en-US" smtClean="0"/>
-              <a:t>4/22/17</a:t>
+              <a:t>4/26/17</a:t>
             </a:fld>
             <a:endParaRPr lang="en-US"/>
           </a:p>
@@ -3292,7 +3292,7 @@
           <a:p>
             <a:fld id="{7C0312F8-2DE2-6B40-83C5-731724CAE2B0}" type="datetimeFigureOut">
               <a:rPr lang="en-US" smtClean="0"/>
-              <a:t>4/22/17</a:t>
+              <a:t>4/26/17</a:t>
             </a:fld>
             <a:endParaRPr lang="en-US"/>
           </a:p>
@@ -3990,11 +3990,7 @@
           <a:p>
             <a:r>
               <a:rPr lang="en-US" dirty="0" smtClean="0"/>
-              <a:t>Vocabulary </a:t>
-            </a:r>
-            <a:r>
-              <a:rPr lang="en-US" dirty="0" smtClean="0"/>
-              <a:t>terms</a:t>
+              <a:t>Vocabulary terms</a:t>
             </a:r>
           </a:p>
           <a:p>
@@ -4003,7 +3999,6 @@
               <a:rPr lang="en-US" dirty="0" smtClean="0"/>
               <a:t>Generative vs Discriminative</a:t>
             </a:r>
-            <a:endParaRPr lang="en-US" dirty="0" smtClean="0"/>
           </a:p>
           <a:p>
             <a:pPr lvl="1"/>
@@ -4329,16 +4324,21 @@
           </a:p>
           <a:p>
             <a:r>
+              <a:rPr lang="en-US" dirty="0" smtClean="0"/>
+              <a:t>Overfitting/</a:t>
+            </a:r>
+            <a:r>
               <a:rPr lang="en-US" dirty="0" err="1" smtClean="0"/>
-              <a:t>Overfitting</a:t>
+              <a:t>Underfitting</a:t>
             </a:r>
             <a:endParaRPr lang="en-US" dirty="0" smtClean="0"/>
           </a:p>
           <a:p>
             <a:r>
               <a:rPr lang="en-US" dirty="0" smtClean="0"/>
-              <a:t>Robustness</a:t>
-            </a:r>
+              <a:t>Robustness (to noise)</a:t>
+            </a:r>
+            <a:endParaRPr lang="en-US" dirty="0" smtClean="0"/>
           </a:p>
           <a:p>
             <a:r>

--- a/Lectures/Lecture 07 - Supervised Learning 4.pptx
+++ b/Lectures/Lecture 07 - Supervised Learning 4.pptx
@@ -216,7 +216,7 @@
           <a:p>
             <a:fld id="{9B69B9FF-71BF-6149-A0CB-459184DAAD9F}" type="datetimeFigureOut">
               <a:rPr lang="en-US" smtClean="0"/>
-              <a:t>4/26/17</a:t>
+              <a:t>4/25/18</a:t>
             </a:fld>
             <a:endParaRPr lang="en-US"/>
           </a:p>
@@ -280,38 +280,37 @@
           <a:p>
             <a:pPr lvl="0"/>
             <a:r>
-              <a:rPr lang="en-US" smtClean="0"/>
+              <a:rPr lang="en-US"/>
               <a:t>Click to edit Master text styles</a:t>
             </a:r>
           </a:p>
           <a:p>
             <a:pPr lvl="1"/>
             <a:r>
-              <a:rPr lang="en-US" smtClean="0"/>
+              <a:rPr lang="en-US"/>
               <a:t>Second level</a:t>
             </a:r>
           </a:p>
           <a:p>
             <a:pPr lvl="2"/>
             <a:r>
-              <a:rPr lang="en-US" smtClean="0"/>
+              <a:rPr lang="en-US"/>
               <a:t>Third level</a:t>
             </a:r>
           </a:p>
           <a:p>
             <a:pPr lvl="3"/>
             <a:r>
-              <a:rPr lang="en-US" smtClean="0"/>
+              <a:rPr lang="en-US"/>
               <a:t>Fourth level</a:t>
             </a:r>
           </a:p>
           <a:p>
             <a:pPr lvl="4"/>
             <a:r>
-              <a:rPr lang="en-US" smtClean="0"/>
+              <a:rPr lang="en-US"/>
               <a:t>Fifth level</a:t>
             </a:r>
-            <a:endParaRPr lang="en-US"/>
           </a:p>
         </p:txBody>
       </p:sp>
@@ -522,10 +521,9 @@
           <a:lstStyle/>
           <a:p>
             <a:r>
-              <a:rPr lang="en-US" smtClean="0"/>
+              <a:rPr lang="en-US"/>
               <a:t>Click to edit Master title style</a:t>
             </a:r>
-            <a:endParaRPr lang="en-US"/>
           </a:p>
         </p:txBody>
       </p:sp>
@@ -642,7 +640,7 @@
           </a:lstStyle>
           <a:p>
             <a:r>
-              <a:rPr lang="en-US" smtClean="0"/>
+              <a:rPr lang="en-US"/>
               <a:t>Click to edit Master subtitle style</a:t>
             </a:r>
             <a:endParaRPr lang="en-US" dirty="0"/>
@@ -689,7 +687,7 @@
           <a:lstStyle/>
           <a:p>
             <a:pPr algn="l"/>
-            <a:endParaRPr lang="en-US" sz="1400" dirty="0" smtClean="0">
+            <a:endParaRPr lang="en-US" sz="1400" dirty="0">
               <a:latin typeface="Arial"/>
               <a:cs typeface="Arial"/>
             </a:endParaRPr>
@@ -697,42 +695,42 @@
           <a:p>
             <a:pPr algn="l"/>
             <a:r>
-              <a:rPr lang="en-US" sz="1400" dirty="0" err="1" smtClean="0">
+              <a:rPr lang="en-US" sz="1400" dirty="0" err="1">
                 <a:latin typeface="Arial"/>
                 <a:cs typeface="Arial"/>
               </a:rPr>
               <a:t>Rayid</a:t>
             </a:r>
             <a:r>
-              <a:rPr lang="en-US" sz="1400" baseline="0" dirty="0" smtClean="0">
+              <a:rPr lang="en-US" sz="1400" baseline="0" dirty="0">
                 <a:latin typeface="Arial"/>
                 <a:cs typeface="Arial"/>
               </a:rPr>
               <a:t> </a:t>
             </a:r>
             <a:r>
-              <a:rPr lang="en-US" sz="1400" baseline="0" dirty="0" err="1" smtClean="0">
+              <a:rPr lang="en-US" sz="1400" baseline="0" dirty="0" err="1">
                 <a:latin typeface="Arial"/>
                 <a:cs typeface="Arial"/>
               </a:rPr>
               <a:t>Ghani</a:t>
             </a:r>
             <a:r>
-              <a:rPr lang="en-US" sz="1400" baseline="0" dirty="0" smtClean="0">
+              <a:rPr lang="en-US" sz="1400" baseline="0" dirty="0">
                 <a:latin typeface="Arial"/>
                 <a:cs typeface="Arial"/>
               </a:rPr>
               <a:t>															@</a:t>
             </a:r>
             <a:r>
-              <a:rPr lang="en-US" sz="1400" baseline="0" dirty="0" err="1" smtClean="0">
+              <a:rPr lang="en-US" sz="1400" baseline="0" dirty="0" err="1">
                 <a:latin typeface="Arial"/>
                 <a:cs typeface="Arial"/>
               </a:rPr>
               <a:t>rayidghani</a:t>
             </a:r>
             <a:r>
-              <a:rPr lang="en-US" sz="1400" baseline="0" dirty="0" smtClean="0">
+              <a:rPr lang="en-US" sz="1400" baseline="0" dirty="0">
                 <a:latin typeface="Arial"/>
                 <a:cs typeface="Arial"/>
               </a:rPr>
@@ -821,10 +819,9 @@
           <a:lstStyle/>
           <a:p>
             <a:r>
-              <a:rPr lang="en-US" smtClean="0"/>
+              <a:rPr lang="en-US"/>
               <a:t>Click to edit Master title style</a:t>
             </a:r>
-            <a:endParaRPr lang="en-US"/>
           </a:p>
         </p:txBody>
       </p:sp>
@@ -845,38 +842,37 @@
           <a:p>
             <a:pPr lvl="0"/>
             <a:r>
-              <a:rPr lang="en-US" smtClean="0"/>
+              <a:rPr lang="en-US"/>
               <a:t>Click to edit Master text styles</a:t>
             </a:r>
           </a:p>
           <a:p>
             <a:pPr lvl="1"/>
             <a:r>
-              <a:rPr lang="en-US" smtClean="0"/>
+              <a:rPr lang="en-US"/>
               <a:t>Second level</a:t>
             </a:r>
           </a:p>
           <a:p>
             <a:pPr lvl="2"/>
             <a:r>
-              <a:rPr lang="en-US" smtClean="0"/>
+              <a:rPr lang="en-US"/>
               <a:t>Third level</a:t>
             </a:r>
           </a:p>
           <a:p>
             <a:pPr lvl="3"/>
             <a:r>
-              <a:rPr lang="en-US" smtClean="0"/>
+              <a:rPr lang="en-US"/>
               <a:t>Fourth level</a:t>
             </a:r>
           </a:p>
           <a:p>
             <a:pPr lvl="4"/>
             <a:r>
-              <a:rPr lang="en-US" smtClean="0"/>
+              <a:rPr lang="en-US"/>
               <a:t>Fifth level</a:t>
             </a:r>
-            <a:endParaRPr lang="en-US"/>
           </a:p>
         </p:txBody>
       </p:sp>
@@ -897,7 +893,7 @@
           <a:p>
             <a:fld id="{7C0312F8-2DE2-6B40-83C5-731724CAE2B0}" type="datetimeFigureOut">
               <a:rPr lang="en-US" smtClean="0"/>
-              <a:t>4/26/17</a:t>
+              <a:t>4/25/18</a:t>
             </a:fld>
             <a:endParaRPr lang="en-US"/>
           </a:p>
@@ -996,10 +992,9 @@
           <a:lstStyle/>
           <a:p>
             <a:r>
-              <a:rPr lang="en-US" smtClean="0"/>
+              <a:rPr lang="en-US"/>
               <a:t>Click to edit Master title style</a:t>
             </a:r>
-            <a:endParaRPr lang="en-US"/>
           </a:p>
         </p:txBody>
       </p:sp>
@@ -1025,38 +1020,37 @@
           <a:p>
             <a:pPr lvl="0"/>
             <a:r>
-              <a:rPr lang="en-US" smtClean="0"/>
+              <a:rPr lang="en-US"/>
               <a:t>Click to edit Master text styles</a:t>
             </a:r>
           </a:p>
           <a:p>
             <a:pPr lvl="1"/>
             <a:r>
-              <a:rPr lang="en-US" smtClean="0"/>
+              <a:rPr lang="en-US"/>
               <a:t>Second level</a:t>
             </a:r>
           </a:p>
           <a:p>
             <a:pPr lvl="2"/>
             <a:r>
-              <a:rPr lang="en-US" smtClean="0"/>
+              <a:rPr lang="en-US"/>
               <a:t>Third level</a:t>
             </a:r>
           </a:p>
           <a:p>
             <a:pPr lvl="3"/>
             <a:r>
-              <a:rPr lang="en-US" smtClean="0"/>
+              <a:rPr lang="en-US"/>
               <a:t>Fourth level</a:t>
             </a:r>
           </a:p>
           <a:p>
             <a:pPr lvl="4"/>
             <a:r>
-              <a:rPr lang="en-US" smtClean="0"/>
+              <a:rPr lang="en-US"/>
               <a:t>Fifth level</a:t>
             </a:r>
-            <a:endParaRPr lang="en-US"/>
           </a:p>
         </p:txBody>
       </p:sp>
@@ -1077,7 +1071,7 @@
           <a:p>
             <a:fld id="{7C0312F8-2DE2-6B40-83C5-731724CAE2B0}" type="datetimeFigureOut">
               <a:rPr lang="en-US" smtClean="0"/>
-              <a:t>4/26/17</a:t>
+              <a:t>4/25/18</a:t>
             </a:fld>
             <a:endParaRPr lang="en-US"/>
           </a:p>
@@ -1177,35 +1171,35 @@
           <a:p>
             <a:pPr lvl="0"/>
             <a:r>
-              <a:rPr lang="en-US" smtClean="0"/>
+              <a:rPr lang="en-US"/>
               <a:t>Click to edit Master text styles</a:t>
             </a:r>
           </a:p>
           <a:p>
             <a:pPr lvl="1"/>
             <a:r>
-              <a:rPr lang="en-US" smtClean="0"/>
+              <a:rPr lang="en-US"/>
               <a:t>Second level</a:t>
             </a:r>
           </a:p>
           <a:p>
             <a:pPr lvl="2"/>
             <a:r>
-              <a:rPr lang="en-US" smtClean="0"/>
+              <a:rPr lang="en-US"/>
               <a:t>Third level</a:t>
             </a:r>
           </a:p>
           <a:p>
             <a:pPr lvl="3"/>
             <a:r>
-              <a:rPr lang="en-US" smtClean="0"/>
+              <a:rPr lang="en-US"/>
               <a:t>Fourth level</a:t>
             </a:r>
           </a:p>
           <a:p>
             <a:pPr lvl="4"/>
             <a:r>
-              <a:rPr lang="en-US" smtClean="0"/>
+              <a:rPr lang="en-US"/>
               <a:t>Fifth level</a:t>
             </a:r>
             <a:endParaRPr lang="en-US" dirty="0"/>
@@ -1252,7 +1246,7 @@
           <a:lstStyle/>
           <a:p>
             <a:pPr algn="l"/>
-            <a:endParaRPr lang="en-US" sz="1400" dirty="0" smtClean="0">
+            <a:endParaRPr lang="en-US" sz="1400" dirty="0">
               <a:latin typeface="Arial"/>
               <a:cs typeface="Arial"/>
             </a:endParaRPr>
@@ -1260,42 +1254,42 @@
           <a:p>
             <a:pPr algn="l"/>
             <a:r>
-              <a:rPr lang="en-US" sz="1400" dirty="0" err="1" smtClean="0">
+              <a:rPr lang="en-US" sz="1400" dirty="0" err="1">
                 <a:latin typeface="Arial"/>
                 <a:cs typeface="Arial"/>
               </a:rPr>
               <a:t>Rayid</a:t>
             </a:r>
             <a:r>
-              <a:rPr lang="en-US" sz="1400" baseline="0" dirty="0" smtClean="0">
+              <a:rPr lang="en-US" sz="1400" baseline="0" dirty="0">
                 <a:latin typeface="Arial"/>
                 <a:cs typeface="Arial"/>
               </a:rPr>
               <a:t> </a:t>
             </a:r>
             <a:r>
-              <a:rPr lang="en-US" sz="1400" baseline="0" dirty="0" err="1" smtClean="0">
+              <a:rPr lang="en-US" sz="1400" baseline="0" dirty="0" err="1">
                 <a:latin typeface="Arial"/>
                 <a:cs typeface="Arial"/>
               </a:rPr>
               <a:t>Ghani</a:t>
             </a:r>
             <a:r>
-              <a:rPr lang="en-US" sz="1400" baseline="0" dirty="0" smtClean="0">
+              <a:rPr lang="en-US" sz="1400" baseline="0" dirty="0">
                 <a:latin typeface="Arial"/>
                 <a:cs typeface="Arial"/>
               </a:rPr>
               <a:t>															@</a:t>
             </a:r>
             <a:r>
-              <a:rPr lang="en-US" sz="1400" baseline="0" dirty="0" err="1" smtClean="0">
+              <a:rPr lang="en-US" sz="1400" baseline="0" dirty="0" err="1">
                 <a:latin typeface="Arial"/>
                 <a:cs typeface="Arial"/>
               </a:rPr>
               <a:t>rayidghani</a:t>
             </a:r>
             <a:r>
-              <a:rPr lang="en-US" sz="1400" baseline="0" dirty="0" smtClean="0">
+              <a:rPr lang="en-US" sz="1400" baseline="0" dirty="0">
                 <a:latin typeface="Arial"/>
                 <a:cs typeface="Arial"/>
               </a:rPr>
@@ -1348,7 +1342,7 @@
           <a:lstStyle/>
           <a:p>
             <a:pPr algn="l"/>
-            <a:endParaRPr lang="en-US" sz="1400" dirty="0" smtClean="0">
+            <a:endParaRPr lang="en-US" sz="1400" dirty="0">
               <a:latin typeface="Arial"/>
               <a:cs typeface="Arial"/>
             </a:endParaRPr>
@@ -1386,7 +1380,7 @@
           </a:lstStyle>
           <a:p>
             <a:r>
-              <a:rPr lang="en-US" smtClean="0"/>
+              <a:rPr lang="en-US"/>
               <a:t>Click to edit Master title style</a:t>
             </a:r>
             <a:endParaRPr lang="en-US" dirty="0"/>
@@ -1448,10 +1442,9 @@
           </a:lstStyle>
           <a:p>
             <a:r>
-              <a:rPr lang="en-US" smtClean="0"/>
+              <a:rPr lang="en-US"/>
               <a:t>Click to edit Master title style</a:t>
             </a:r>
-            <a:endParaRPr lang="en-US"/>
           </a:p>
         </p:txBody>
       </p:sp>
@@ -1568,7 +1561,7 @@
           <a:p>
             <a:pPr lvl="0"/>
             <a:r>
-              <a:rPr lang="en-US" smtClean="0"/>
+              <a:rPr lang="en-US"/>
               <a:t>Click to edit Master text styles</a:t>
             </a:r>
           </a:p>
@@ -1591,7 +1584,7 @@
           <a:p>
             <a:fld id="{7C0312F8-2DE2-6B40-83C5-731724CAE2B0}" type="datetimeFigureOut">
               <a:rPr lang="en-US" smtClean="0"/>
-              <a:t>4/26/17</a:t>
+              <a:t>4/25/18</a:t>
             </a:fld>
             <a:endParaRPr lang="en-US"/>
           </a:p>
@@ -1685,10 +1678,9 @@
           <a:lstStyle/>
           <a:p>
             <a:r>
-              <a:rPr lang="en-US" smtClean="0"/>
+              <a:rPr lang="en-US"/>
               <a:t>Click to edit Master title style</a:t>
             </a:r>
-            <a:endParaRPr lang="en-US"/>
           </a:p>
         </p:txBody>
       </p:sp>
@@ -1742,38 +1734,37 @@
           <a:p>
             <a:pPr lvl="0"/>
             <a:r>
-              <a:rPr lang="en-US" smtClean="0"/>
+              <a:rPr lang="en-US"/>
               <a:t>Click to edit Master text styles</a:t>
             </a:r>
           </a:p>
           <a:p>
             <a:pPr lvl="1"/>
             <a:r>
-              <a:rPr lang="en-US" smtClean="0"/>
+              <a:rPr lang="en-US"/>
               <a:t>Second level</a:t>
             </a:r>
           </a:p>
           <a:p>
             <a:pPr lvl="2"/>
             <a:r>
-              <a:rPr lang="en-US" smtClean="0"/>
+              <a:rPr lang="en-US"/>
               <a:t>Third level</a:t>
             </a:r>
           </a:p>
           <a:p>
             <a:pPr lvl="3"/>
             <a:r>
-              <a:rPr lang="en-US" smtClean="0"/>
+              <a:rPr lang="en-US"/>
               <a:t>Fourth level</a:t>
             </a:r>
           </a:p>
           <a:p>
             <a:pPr lvl="4"/>
             <a:r>
-              <a:rPr lang="en-US" smtClean="0"/>
+              <a:rPr lang="en-US"/>
               <a:t>Fifth level</a:t>
             </a:r>
-            <a:endParaRPr lang="en-US"/>
           </a:p>
         </p:txBody>
       </p:sp>
@@ -1827,38 +1818,37 @@
           <a:p>
             <a:pPr lvl="0"/>
             <a:r>
-              <a:rPr lang="en-US" smtClean="0"/>
+              <a:rPr lang="en-US"/>
               <a:t>Click to edit Master text styles</a:t>
             </a:r>
           </a:p>
           <a:p>
             <a:pPr lvl="1"/>
             <a:r>
-              <a:rPr lang="en-US" smtClean="0"/>
+              <a:rPr lang="en-US"/>
               <a:t>Second level</a:t>
             </a:r>
           </a:p>
           <a:p>
             <a:pPr lvl="2"/>
             <a:r>
-              <a:rPr lang="en-US" smtClean="0"/>
+              <a:rPr lang="en-US"/>
               <a:t>Third level</a:t>
             </a:r>
           </a:p>
           <a:p>
             <a:pPr lvl="3"/>
             <a:r>
-              <a:rPr lang="en-US" smtClean="0"/>
+              <a:rPr lang="en-US"/>
               <a:t>Fourth level</a:t>
             </a:r>
           </a:p>
           <a:p>
             <a:pPr lvl="4"/>
             <a:r>
-              <a:rPr lang="en-US" smtClean="0"/>
+              <a:rPr lang="en-US"/>
               <a:t>Fifth level</a:t>
             </a:r>
-            <a:endParaRPr lang="en-US"/>
           </a:p>
         </p:txBody>
       </p:sp>
@@ -1879,7 +1869,7 @@
           <a:p>
             <a:fld id="{7C0312F8-2DE2-6B40-83C5-731724CAE2B0}" type="datetimeFigureOut">
               <a:rPr lang="en-US" smtClean="0"/>
-              <a:t>4/26/17</a:t>
+              <a:t>4/25/18</a:t>
             </a:fld>
             <a:endParaRPr lang="en-US"/>
           </a:p>
@@ -1977,10 +1967,9 @@
           </a:lstStyle>
           <a:p>
             <a:r>
-              <a:rPr lang="en-US" smtClean="0"/>
+              <a:rPr lang="en-US"/>
               <a:t>Click to edit Master title style</a:t>
             </a:r>
-            <a:endParaRPr lang="en-US"/>
           </a:p>
         </p:txBody>
       </p:sp>
@@ -2043,7 +2032,7 @@
           <a:p>
             <a:pPr lvl="0"/>
             <a:r>
-              <a:rPr lang="en-US" smtClean="0"/>
+              <a:rPr lang="en-US"/>
               <a:t>Click to edit Master text styles</a:t>
             </a:r>
           </a:p>
@@ -2099,38 +2088,37 @@
           <a:p>
             <a:pPr lvl="0"/>
             <a:r>
-              <a:rPr lang="en-US" smtClean="0"/>
+              <a:rPr lang="en-US"/>
               <a:t>Click to edit Master text styles</a:t>
             </a:r>
           </a:p>
           <a:p>
             <a:pPr lvl="1"/>
             <a:r>
-              <a:rPr lang="en-US" smtClean="0"/>
+              <a:rPr lang="en-US"/>
               <a:t>Second level</a:t>
             </a:r>
           </a:p>
           <a:p>
             <a:pPr lvl="2"/>
             <a:r>
-              <a:rPr lang="en-US" smtClean="0"/>
+              <a:rPr lang="en-US"/>
               <a:t>Third level</a:t>
             </a:r>
           </a:p>
           <a:p>
             <a:pPr lvl="3"/>
             <a:r>
-              <a:rPr lang="en-US" smtClean="0"/>
+              <a:rPr lang="en-US"/>
               <a:t>Fourth level</a:t>
             </a:r>
           </a:p>
           <a:p>
             <a:pPr lvl="4"/>
             <a:r>
-              <a:rPr lang="en-US" smtClean="0"/>
+              <a:rPr lang="en-US"/>
               <a:t>Fifth level</a:t>
             </a:r>
-            <a:endParaRPr lang="en-US"/>
           </a:p>
         </p:txBody>
       </p:sp>
@@ -2193,7 +2181,7 @@
           <a:p>
             <a:pPr lvl="0"/>
             <a:r>
-              <a:rPr lang="en-US" smtClean="0"/>
+              <a:rPr lang="en-US"/>
               <a:t>Click to edit Master text styles</a:t>
             </a:r>
           </a:p>
@@ -2249,38 +2237,37 @@
           <a:p>
             <a:pPr lvl="0"/>
             <a:r>
-              <a:rPr lang="en-US" smtClean="0"/>
+              <a:rPr lang="en-US"/>
               <a:t>Click to edit Master text styles</a:t>
             </a:r>
           </a:p>
           <a:p>
             <a:pPr lvl="1"/>
             <a:r>
-              <a:rPr lang="en-US" smtClean="0"/>
+              <a:rPr lang="en-US"/>
               <a:t>Second level</a:t>
             </a:r>
           </a:p>
           <a:p>
             <a:pPr lvl="2"/>
             <a:r>
-              <a:rPr lang="en-US" smtClean="0"/>
+              <a:rPr lang="en-US"/>
               <a:t>Third level</a:t>
             </a:r>
           </a:p>
           <a:p>
             <a:pPr lvl="3"/>
             <a:r>
-              <a:rPr lang="en-US" smtClean="0"/>
+              <a:rPr lang="en-US"/>
               <a:t>Fourth level</a:t>
             </a:r>
           </a:p>
           <a:p>
             <a:pPr lvl="4"/>
             <a:r>
-              <a:rPr lang="en-US" smtClean="0"/>
+              <a:rPr lang="en-US"/>
               <a:t>Fifth level</a:t>
             </a:r>
-            <a:endParaRPr lang="en-US"/>
           </a:p>
         </p:txBody>
       </p:sp>
@@ -2301,7 +2288,7 @@
           <a:p>
             <a:fld id="{7C0312F8-2DE2-6B40-83C5-731724CAE2B0}" type="datetimeFigureOut">
               <a:rPr lang="en-US" smtClean="0"/>
-              <a:t>4/26/17</a:t>
+              <a:t>4/25/18</a:t>
             </a:fld>
             <a:endParaRPr lang="en-US"/>
           </a:p>
@@ -2395,10 +2382,9 @@
           <a:lstStyle/>
           <a:p>
             <a:r>
-              <a:rPr lang="en-US" smtClean="0"/>
+              <a:rPr lang="en-US"/>
               <a:t>Click to edit Master title style</a:t>
             </a:r>
-            <a:endParaRPr lang="en-US"/>
           </a:p>
         </p:txBody>
       </p:sp>
@@ -2442,7 +2428,7 @@
           <a:lstStyle/>
           <a:p>
             <a:pPr algn="l"/>
-            <a:endParaRPr lang="en-US" sz="1400" dirty="0" smtClean="0">
+            <a:endParaRPr lang="en-US" sz="1400" dirty="0">
               <a:latin typeface="Arial"/>
               <a:cs typeface="Arial"/>
             </a:endParaRPr>
@@ -2450,42 +2436,42 @@
           <a:p>
             <a:pPr algn="l"/>
             <a:r>
-              <a:rPr lang="en-US" sz="1400" dirty="0" err="1" smtClean="0">
+              <a:rPr lang="en-US" sz="1400" dirty="0" err="1">
                 <a:latin typeface="Arial"/>
                 <a:cs typeface="Arial"/>
               </a:rPr>
               <a:t>Rayid</a:t>
             </a:r>
             <a:r>
-              <a:rPr lang="en-US" sz="1400" baseline="0" dirty="0" smtClean="0">
+              <a:rPr lang="en-US" sz="1400" baseline="0" dirty="0">
                 <a:latin typeface="Arial"/>
                 <a:cs typeface="Arial"/>
               </a:rPr>
               <a:t> </a:t>
             </a:r>
             <a:r>
-              <a:rPr lang="en-US" sz="1400" baseline="0" dirty="0" err="1" smtClean="0">
+              <a:rPr lang="en-US" sz="1400" baseline="0" dirty="0" err="1">
                 <a:latin typeface="Arial"/>
                 <a:cs typeface="Arial"/>
               </a:rPr>
               <a:t>Ghani</a:t>
             </a:r>
             <a:r>
-              <a:rPr lang="en-US" sz="1400" baseline="0" dirty="0" smtClean="0">
+              <a:rPr lang="en-US" sz="1400" baseline="0" dirty="0">
                 <a:latin typeface="Arial"/>
                 <a:cs typeface="Arial"/>
               </a:rPr>
               <a:t>															@</a:t>
             </a:r>
             <a:r>
-              <a:rPr lang="en-US" sz="1400" baseline="0" dirty="0" err="1" smtClean="0">
+              <a:rPr lang="en-US" sz="1400" baseline="0" dirty="0" err="1">
                 <a:latin typeface="Arial"/>
                 <a:cs typeface="Arial"/>
               </a:rPr>
               <a:t>rayidghani</a:t>
             </a:r>
             <a:r>
-              <a:rPr lang="en-US" sz="1400" baseline="0" dirty="0" smtClean="0">
+              <a:rPr lang="en-US" sz="1400" baseline="0" dirty="0">
                 <a:latin typeface="Arial"/>
                 <a:cs typeface="Arial"/>
               </a:rPr>
@@ -2545,7 +2531,7 @@
           <a:p>
             <a:fld id="{7C0312F8-2DE2-6B40-83C5-731724CAE2B0}" type="datetimeFigureOut">
               <a:rPr lang="en-US" smtClean="0"/>
-              <a:t>4/26/17</a:t>
+              <a:t>4/25/18</a:t>
             </a:fld>
             <a:endParaRPr lang="en-US"/>
           </a:p>
@@ -2648,10 +2634,9 @@
           </a:lstStyle>
           <a:p>
             <a:r>
-              <a:rPr lang="en-US" smtClean="0"/>
+              <a:rPr lang="en-US"/>
               <a:t>Click to edit Master title style</a:t>
             </a:r>
-            <a:endParaRPr lang="en-US"/>
           </a:p>
         </p:txBody>
       </p:sp>
@@ -2705,38 +2690,37 @@
           <a:p>
             <a:pPr lvl="0"/>
             <a:r>
-              <a:rPr lang="en-US" smtClean="0"/>
+              <a:rPr lang="en-US"/>
               <a:t>Click to edit Master text styles</a:t>
             </a:r>
           </a:p>
           <a:p>
             <a:pPr lvl="1"/>
             <a:r>
-              <a:rPr lang="en-US" smtClean="0"/>
+              <a:rPr lang="en-US"/>
               <a:t>Second level</a:t>
             </a:r>
           </a:p>
           <a:p>
             <a:pPr lvl="2"/>
             <a:r>
-              <a:rPr lang="en-US" smtClean="0"/>
+              <a:rPr lang="en-US"/>
               <a:t>Third level</a:t>
             </a:r>
           </a:p>
           <a:p>
             <a:pPr lvl="3"/>
             <a:r>
-              <a:rPr lang="en-US" smtClean="0"/>
+              <a:rPr lang="en-US"/>
               <a:t>Fourth level</a:t>
             </a:r>
           </a:p>
           <a:p>
             <a:pPr lvl="4"/>
             <a:r>
-              <a:rPr lang="en-US" smtClean="0"/>
+              <a:rPr lang="en-US"/>
               <a:t>Fifth level</a:t>
             </a:r>
-            <a:endParaRPr lang="en-US"/>
           </a:p>
         </p:txBody>
       </p:sp>
@@ -2799,7 +2783,7 @@
           <a:p>
             <a:pPr lvl="0"/>
             <a:r>
-              <a:rPr lang="en-US" smtClean="0"/>
+              <a:rPr lang="en-US"/>
               <a:t>Click to edit Master text styles</a:t>
             </a:r>
           </a:p>
@@ -2822,7 +2806,7 @@
           <a:p>
             <a:fld id="{7C0312F8-2DE2-6B40-83C5-731724CAE2B0}" type="datetimeFigureOut">
               <a:rPr lang="en-US" smtClean="0"/>
-              <a:t>4/26/17</a:t>
+              <a:t>4/25/18</a:t>
             </a:fld>
             <a:endParaRPr lang="en-US"/>
           </a:p>
@@ -2925,10 +2909,9 @@
           </a:lstStyle>
           <a:p>
             <a:r>
-              <a:rPr lang="en-US" smtClean="0"/>
+              <a:rPr lang="en-US"/>
               <a:t>Click to edit Master title style</a:t>
             </a:r>
-            <a:endParaRPr lang="en-US"/>
           </a:p>
         </p:txBody>
       </p:sp>
@@ -2990,10 +2973,9 @@
           </a:lstStyle>
           <a:p>
             <a:r>
-              <a:rPr lang="en-US" smtClean="0"/>
+              <a:rPr lang="en-US"/>
               <a:t>Drag picture to placeholder or click icon to add</a:t>
             </a:r>
-            <a:endParaRPr lang="en-US"/>
           </a:p>
         </p:txBody>
       </p:sp>
@@ -3056,7 +3038,7 @@
           <a:p>
             <a:pPr lvl="0"/>
             <a:r>
-              <a:rPr lang="en-US" smtClean="0"/>
+              <a:rPr lang="en-US"/>
               <a:t>Click to edit Master text styles</a:t>
             </a:r>
           </a:p>
@@ -3079,7 +3061,7 @@
           <a:p>
             <a:fld id="{7C0312F8-2DE2-6B40-83C5-731724CAE2B0}" type="datetimeFigureOut">
               <a:rPr lang="en-US" smtClean="0"/>
-              <a:t>4/26/17</a:t>
+              <a:t>4/25/18</a:t>
             </a:fld>
             <a:endParaRPr lang="en-US"/>
           </a:p>
@@ -3188,10 +3170,9 @@
           <a:lstStyle/>
           <a:p>
             <a:r>
-              <a:rPr lang="en-US" smtClean="0"/>
+              <a:rPr lang="en-US"/>
               <a:t>Click to edit Master title style</a:t>
             </a:r>
-            <a:endParaRPr lang="en-US"/>
           </a:p>
         </p:txBody>
       </p:sp>
@@ -3222,38 +3203,37 @@
           <a:p>
             <a:pPr lvl="0"/>
             <a:r>
-              <a:rPr lang="en-US" smtClean="0"/>
+              <a:rPr lang="en-US"/>
               <a:t>Click to edit Master text styles</a:t>
             </a:r>
           </a:p>
           <a:p>
             <a:pPr lvl="1"/>
             <a:r>
-              <a:rPr lang="en-US" smtClean="0"/>
+              <a:rPr lang="en-US"/>
               <a:t>Second level</a:t>
             </a:r>
           </a:p>
           <a:p>
             <a:pPr lvl="2"/>
             <a:r>
-              <a:rPr lang="en-US" smtClean="0"/>
+              <a:rPr lang="en-US"/>
               <a:t>Third level</a:t>
             </a:r>
           </a:p>
           <a:p>
             <a:pPr lvl="3"/>
             <a:r>
-              <a:rPr lang="en-US" smtClean="0"/>
+              <a:rPr lang="en-US"/>
               <a:t>Fourth level</a:t>
             </a:r>
           </a:p>
           <a:p>
             <a:pPr lvl="4"/>
             <a:r>
-              <a:rPr lang="en-US" smtClean="0"/>
+              <a:rPr lang="en-US"/>
               <a:t>Fifth level</a:t>
             </a:r>
-            <a:endParaRPr lang="en-US"/>
           </a:p>
         </p:txBody>
       </p:sp>
@@ -3292,7 +3272,7 @@
           <a:p>
             <a:fld id="{7C0312F8-2DE2-6B40-83C5-731724CAE2B0}" type="datetimeFigureOut">
               <a:rPr lang="en-US" smtClean="0"/>
-              <a:t>4/26/17</a:t>
+              <a:t>4/25/18</a:t>
             </a:fld>
             <a:endParaRPr lang="en-US"/>
           </a:p>
@@ -3688,10 +3668,9 @@
           <a:lstStyle/>
           <a:p>
             <a:r>
-              <a:rPr lang="en-US" dirty="0" smtClean="0"/>
+              <a:rPr lang="en-US" dirty="0"/>
               <a:t>Supervised Learning: Comparison of Classifiers</a:t>
             </a:r>
-            <a:endParaRPr lang="en-US" dirty="0"/>
           </a:p>
         </p:txBody>
       </p:sp>
@@ -3718,18 +3697,18 @@
           <a:lstStyle/>
           <a:p>
             <a:r>
-              <a:rPr lang="en-US" sz="3600" dirty="0" err="1" smtClean="0"/>
+              <a:rPr lang="en-US" sz="3600" dirty="0" err="1"/>
               <a:t>Rayid</a:t>
             </a:r>
             <a:r>
-              <a:rPr lang="en-US" sz="3600" dirty="0" smtClean="0"/>
+              <a:rPr lang="en-US" sz="3600" dirty="0"/>
               <a:t> </a:t>
             </a:r>
             <a:r>
-              <a:rPr lang="en-US" sz="3600" dirty="0" err="1" smtClean="0"/>
+              <a:rPr lang="en-US" sz="3600" dirty="0" err="1"/>
               <a:t>Ghani</a:t>
             </a:r>
-            <a:endParaRPr lang="en-US" sz="3600" dirty="0" smtClean="0"/>
+            <a:endParaRPr lang="en-US" sz="3600" dirty="0"/>
           </a:p>
           <a:p>
             <a:endParaRPr lang="en-US" sz="3600" dirty="0"/>
@@ -3918,12 +3897,12 @@
           </a:lstStyle>
           <a:p>
             <a:r>
-              <a:rPr lang="en-US" sz="2000" dirty="0" smtClean="0"/>
+              <a:rPr lang="en-US" sz="2000" dirty="0"/>
               <a:t>Slides liberally borrowed and customized from lots of excellent online sources</a:t>
             </a:r>
           </a:p>
           <a:p>
-            <a:endParaRPr lang="en-US" sz="3600" dirty="0" smtClean="0"/>
+            <a:endParaRPr lang="en-US" sz="3600" dirty="0"/>
           </a:p>
           <a:p>
             <a:endParaRPr lang="en-US" sz="3600" dirty="0"/>
@@ -3940,13 +3919,6 @@
   <p:clrMapOvr>
     <a:masterClrMapping/>
   </p:clrMapOvr>
-  <p:timing>
-    <p:tnLst>
-      <p:par>
-        <p:cTn id="1" dur="indefinite" restart="never" nodeType="tmRoot"/>
-      </p:par>
-    </p:tnLst>
-  </p:timing>
 </p:sld>
 </file>
 
@@ -3983,51 +3955,50 @@
           <a:lstStyle/>
           <a:p>
             <a:r>
-              <a:rPr lang="en-US" dirty="0" smtClean="0"/>
+              <a:rPr lang="en-US" dirty="0"/>
               <a:t>Comparison of different classifiers</a:t>
             </a:r>
           </a:p>
           <a:p>
             <a:r>
-              <a:rPr lang="en-US" dirty="0" smtClean="0"/>
+              <a:rPr lang="en-US" dirty="0"/>
               <a:t>Vocabulary terms</a:t>
             </a:r>
           </a:p>
           <a:p>
             <a:pPr lvl="1"/>
             <a:r>
-              <a:rPr lang="en-US" dirty="0" smtClean="0"/>
+              <a:rPr lang="en-US" dirty="0"/>
               <a:t>Generative vs Discriminative</a:t>
             </a:r>
           </a:p>
           <a:p>
             <a:pPr lvl="1"/>
             <a:r>
-              <a:rPr lang="en-US" dirty="0" smtClean="0"/>
+              <a:rPr lang="en-US" dirty="0"/>
               <a:t>Loss function</a:t>
             </a:r>
           </a:p>
           <a:p>
             <a:pPr lvl="1"/>
             <a:r>
-              <a:rPr lang="en-US" dirty="0" smtClean="0"/>
+              <a:rPr lang="en-US" dirty="0"/>
               <a:t>Bias Variance Tradeoff</a:t>
             </a:r>
           </a:p>
           <a:p>
             <a:pPr lvl="1"/>
             <a:r>
-              <a:rPr lang="en-US" dirty="0" smtClean="0"/>
+              <a:rPr lang="en-US" dirty="0"/>
               <a:t>Regularization</a:t>
             </a:r>
           </a:p>
           <a:p>
             <a:pPr lvl="1"/>
             <a:r>
-              <a:rPr lang="en-US" dirty="0" smtClean="0"/>
+              <a:rPr lang="en-US" dirty="0"/>
               <a:t>Learning Curve</a:t>
             </a:r>
-            <a:endParaRPr lang="en-US" dirty="0"/>
           </a:p>
         </p:txBody>
       </p:sp>
@@ -4047,10 +4018,9 @@
           <a:lstStyle/>
           <a:p>
             <a:r>
-              <a:rPr lang="en-US" dirty="0" smtClean="0"/>
+              <a:rPr lang="en-US" dirty="0"/>
               <a:t>Things we will cover</a:t>
             </a:r>
-            <a:endParaRPr lang="en-US" dirty="0"/>
           </a:p>
         </p:txBody>
       </p:sp>
@@ -4105,22 +4075,21 @@
           <a:lstStyle/>
           <a:p>
             <a:r>
-              <a:rPr lang="en-US" dirty="0" smtClean="0"/>
+              <a:rPr lang="en-US" dirty="0"/>
               <a:t>Squared loss</a:t>
             </a:r>
           </a:p>
           <a:p>
             <a:r>
-              <a:rPr lang="en-US" dirty="0" smtClean="0"/>
+              <a:rPr lang="en-US" dirty="0"/>
               <a:t>Hinge Loss</a:t>
             </a:r>
           </a:p>
           <a:p>
             <a:r>
-              <a:rPr lang="en-US" dirty="0" smtClean="0"/>
+              <a:rPr lang="en-US" dirty="0"/>
               <a:t>Logistic Loss   </a:t>
             </a:r>
-            <a:endParaRPr lang="en-US" dirty="0"/>
           </a:p>
         </p:txBody>
       </p:sp>
@@ -4140,10 +4109,9 @@
           <a:lstStyle/>
           <a:p>
             <a:r>
-              <a:rPr lang="en-US" dirty="0" smtClean="0"/>
+              <a:rPr lang="en-US" dirty="0"/>
               <a:t>Loss functions</a:t>
             </a:r>
-            <a:endParaRPr lang="en-US" dirty="0"/>
           </a:p>
         </p:txBody>
       </p:sp>
@@ -4242,10 +4210,9 @@
           <a:lstStyle/>
           <a:p>
             <a:r>
-              <a:rPr lang="en-US" sz="3200" dirty="0" smtClean="0"/>
+              <a:rPr lang="en-US" sz="3200" dirty="0"/>
               <a:t>Cost of getting a prediction wrong</a:t>
             </a:r>
-            <a:endParaRPr lang="en-US" sz="3200" dirty="0"/>
           </a:p>
         </p:txBody>
       </p:sp>
@@ -4297,79 +4264,78 @@
           <a:lstStyle/>
           <a:p>
             <a:r>
-              <a:rPr lang="en-US" dirty="0" smtClean="0"/>
+              <a:rPr lang="en-US" dirty="0"/>
               <a:t>Complexity</a:t>
             </a:r>
           </a:p>
           <a:p>
             <a:pPr lvl="1"/>
             <a:r>
-              <a:rPr lang="en-US" dirty="0" smtClean="0"/>
+              <a:rPr lang="en-US" dirty="0"/>
               <a:t>Model</a:t>
             </a:r>
           </a:p>
           <a:p>
             <a:pPr lvl="1"/>
             <a:r>
-              <a:rPr lang="en-US" dirty="0" smtClean="0"/>
+              <a:rPr lang="en-US" dirty="0"/>
               <a:t>Tuning </a:t>
             </a:r>
           </a:p>
           <a:p>
             <a:pPr lvl="1"/>
             <a:r>
-              <a:rPr lang="en-US" dirty="0" smtClean="0"/>
+              <a:rPr lang="en-US" dirty="0"/>
               <a:t>Pre-processing (scaling, missing values, discrete/continuous etc.)</a:t>
             </a:r>
           </a:p>
           <a:p>
             <a:r>
-              <a:rPr lang="en-US" dirty="0" smtClean="0"/>
+              <a:rPr lang="en-US" dirty="0"/>
               <a:t>Overfitting/</a:t>
             </a:r>
             <a:r>
-              <a:rPr lang="en-US" dirty="0" err="1" smtClean="0"/>
+              <a:rPr lang="en-US" dirty="0" err="1"/>
               <a:t>Underfitting</a:t>
             </a:r>
-            <a:endParaRPr lang="en-US" dirty="0" smtClean="0"/>
-          </a:p>
-          <a:p>
-            <a:r>
-              <a:rPr lang="en-US" dirty="0" smtClean="0"/>
+            <a:endParaRPr lang="en-US" dirty="0"/>
+          </a:p>
+          <a:p>
+            <a:r>
+              <a:rPr lang="en-US" dirty="0"/>
               <a:t>Robustness (to noise)</a:t>
             </a:r>
-            <a:endParaRPr lang="en-US" dirty="0" smtClean="0"/>
-          </a:p>
-          <a:p>
-            <a:r>
-              <a:rPr lang="en-US" dirty="0" smtClean="0"/>
+          </a:p>
+          <a:p>
+            <a:r>
+              <a:rPr lang="en-US" dirty="0"/>
               <a:t>Interpretability</a:t>
             </a:r>
           </a:p>
           <a:p>
             <a:r>
-              <a:rPr lang="en-US" dirty="0" smtClean="0"/>
+              <a:rPr lang="en-US" dirty="0"/>
               <a:t>Training Time</a:t>
             </a:r>
           </a:p>
           <a:p>
             <a:r>
-              <a:rPr lang="en-US" dirty="0" smtClean="0"/>
+              <a:rPr lang="en-US" dirty="0"/>
               <a:t>Update Time</a:t>
             </a:r>
           </a:p>
           <a:p>
             <a:r>
-              <a:rPr lang="en-US" dirty="0" smtClean="0"/>
+              <a:rPr lang="en-US" dirty="0"/>
               <a:t>Scoring Time</a:t>
             </a:r>
           </a:p>
           <a:p>
-            <a:endParaRPr lang="en-US" dirty="0" smtClean="0"/>
-          </a:p>
-          <a:p>
             <a:endParaRPr lang="en-US" dirty="0"/>
           </a:p>
+          <a:p>
+            <a:endParaRPr lang="en-US" dirty="0"/>
+          </a:p>
         </p:txBody>
       </p:sp>
       <p:sp>
@@ -4388,10 +4354,9 @@
           <a:lstStyle/>
           <a:p>
             <a:r>
-              <a:rPr lang="en-US" dirty="0" smtClean="0"/>
+              <a:rPr lang="en-US" dirty="0"/>
               <a:t>Factors to consider</a:t>
             </a:r>
-            <a:endParaRPr lang="en-US" dirty="0"/>
           </a:p>
         </p:txBody>
       </p:sp>
@@ -4405,13 +4370,6 @@
   <p:clrMapOvr>
     <a:masterClrMapping/>
   </p:clrMapOvr>
-  <p:timing>
-    <p:tnLst>
-      <p:par>
-        <p:cTn id="1" dur="indefinite" restart="never" nodeType="tmRoot"/>
-      </p:par>
-    </p:tnLst>
-  </p:timing>
 </p:sld>
 </file>
 
@@ -4448,32 +4406,31 @@
           <a:lstStyle/>
           <a:p>
             <a:r>
-              <a:rPr lang="en-US" dirty="0" smtClean="0"/>
+              <a:rPr lang="en-US" dirty="0"/>
               <a:t>Linear </a:t>
             </a:r>
             <a:r>
-              <a:rPr lang="en-US" dirty="0" err="1" smtClean="0"/>
+              <a:rPr lang="en-US" dirty="0" err="1"/>
               <a:t>vs</a:t>
             </a:r>
             <a:r>
-              <a:rPr lang="en-US" dirty="0" smtClean="0"/>
+              <a:rPr lang="en-US" dirty="0"/>
               <a:t> Non-Linear</a:t>
             </a:r>
           </a:p>
           <a:p>
             <a:r>
-              <a:rPr lang="en-US" dirty="0" smtClean="0"/>
+              <a:rPr lang="en-US" dirty="0"/>
               <a:t>Fewer parameters </a:t>
             </a:r>
             <a:r>
-              <a:rPr lang="en-US" dirty="0" err="1" smtClean="0"/>
+              <a:rPr lang="en-US" dirty="0" err="1"/>
               <a:t>vs</a:t>
             </a:r>
             <a:r>
-              <a:rPr lang="en-US" dirty="0" smtClean="0"/>
+              <a:rPr lang="en-US" dirty="0"/>
               <a:t> more parameters</a:t>
             </a:r>
-            <a:endParaRPr lang="en-US" dirty="0"/>
           </a:p>
         </p:txBody>
       </p:sp>
@@ -4493,10 +4450,9 @@
           <a:lstStyle/>
           <a:p>
             <a:r>
-              <a:rPr lang="en-US" dirty="0" smtClean="0"/>
+              <a:rPr lang="en-US" dirty="0"/>
               <a:t>Complexity</a:t>
             </a:r>
-            <a:endParaRPr lang="en-US" dirty="0"/>
           </a:p>
         </p:txBody>
       </p:sp>
@@ -4546,30 +4502,29 @@
           <a:lstStyle/>
           <a:p>
             <a:r>
-              <a:rPr lang="en-US" dirty="0" smtClean="0"/>
+              <a:rPr lang="en-US" dirty="0"/>
               <a:t>Reduce Features</a:t>
             </a:r>
           </a:p>
           <a:p>
             <a:pPr lvl="1"/>
             <a:r>
-              <a:rPr lang="en-US" dirty="0" smtClean="0"/>
+              <a:rPr lang="en-US" dirty="0"/>
               <a:t>Force less complexity </a:t>
             </a:r>
           </a:p>
           <a:p>
             <a:r>
-              <a:rPr lang="en-US" dirty="0" smtClean="0"/>
+              <a:rPr lang="en-US" dirty="0"/>
               <a:t>Regularization</a:t>
             </a:r>
           </a:p>
           <a:p>
             <a:pPr lvl="1"/>
             <a:r>
-              <a:rPr lang="en-US" dirty="0" smtClean="0"/>
+              <a:rPr lang="en-US" dirty="0"/>
               <a:t>Penalize for complexity</a:t>
             </a:r>
-            <a:endParaRPr lang="en-US" dirty="0"/>
           </a:p>
         </p:txBody>
       </p:sp>
@@ -4589,7 +4544,7 @@
           <a:lstStyle/>
           <a:p>
             <a:r>
-              <a:rPr lang="en-US" dirty="0" err="1" smtClean="0"/>
+              <a:rPr lang="en-US" dirty="0" err="1"/>
               <a:t>Overfitting</a:t>
             </a:r>
             <a:endParaRPr lang="en-US" dirty="0"/>
@@ -4642,13 +4597,13 @@
           <a:lstStyle/>
           <a:p>
             <a:r>
-              <a:rPr lang="en-US" dirty="0" smtClean="0"/>
+              <a:rPr lang="en-US" dirty="0"/>
               <a:t>To a ML expert?</a:t>
             </a:r>
           </a:p>
           <a:p>
             <a:r>
-              <a:rPr lang="en-US" dirty="0" smtClean="0"/>
+              <a:rPr lang="en-US" dirty="0"/>
               <a:t>To a domain expert?</a:t>
             </a:r>
           </a:p>
@@ -4657,18 +4612,17 @@
           </a:p>
           <a:p>
             <a:r>
-              <a:rPr lang="en-US" dirty="0" smtClean="0"/>
+              <a:rPr lang="en-US" dirty="0"/>
               <a:t>Interpretability of the model </a:t>
             </a:r>
             <a:r>
-              <a:rPr lang="en-US" dirty="0" err="1" smtClean="0"/>
+              <a:rPr lang="en-US" dirty="0" err="1"/>
               <a:t>vs</a:t>
             </a:r>
             <a:r>
-              <a:rPr lang="en-US" dirty="0" smtClean="0"/>
+              <a:rPr lang="en-US" dirty="0"/>
               <a:t> Interpretability of the predictions</a:t>
             </a:r>
-            <a:endParaRPr lang="en-US" dirty="0"/>
           </a:p>
         </p:txBody>
       </p:sp>
@@ -4688,10 +4642,9 @@
           <a:lstStyle/>
           <a:p>
             <a:r>
-              <a:rPr lang="en-US" dirty="0" smtClean="0"/>
+              <a:rPr lang="en-US" dirty="0"/>
               <a:t>Interpretability</a:t>
             </a:r>
-            <a:endParaRPr lang="en-US" dirty="0"/>
           </a:p>
         </p:txBody>
       </p:sp>
@@ -4741,19 +4694,19 @@
           <a:lstStyle/>
           <a:p>
             <a:r>
-              <a:rPr lang="en-US" dirty="0" smtClean="0"/>
+              <a:rPr lang="en-US" dirty="0"/>
               <a:t>Training</a:t>
             </a:r>
           </a:p>
           <a:p>
             <a:r>
-              <a:rPr lang="en-US" dirty="0" smtClean="0"/>
+              <a:rPr lang="en-US" dirty="0"/>
               <a:t>Scoring new data</a:t>
             </a:r>
           </a:p>
           <a:p>
             <a:r>
-              <a:rPr lang="en-US" dirty="0" smtClean="0"/>
+              <a:rPr lang="en-US" dirty="0"/>
               <a:t>Updating when you get more labels back</a:t>
             </a:r>
           </a:p>
@@ -4775,10 +4728,9 @@
           <a:lstStyle/>
           <a:p>
             <a:r>
-              <a:rPr lang="en-US" dirty="0" smtClean="0"/>
+              <a:rPr lang="en-US" dirty="0"/>
               <a:t>Time</a:t>
             </a:r>
-            <a:endParaRPr lang="en-US" dirty="0"/>
           </a:p>
         </p:txBody>
       </p:sp>
@@ -4830,34 +4782,28 @@
           <a:lstStyle/>
           <a:p>
             <a:r>
-              <a:rPr lang="en-US" dirty="0" smtClean="0">
+              <a:rPr lang="en-US" dirty="0">
                 <a:hlinkClick r:id="rId2"/>
               </a:rPr>
               <a:t>Azure ML Blog Post</a:t>
             </a:r>
-            <a:endParaRPr lang="en-US" dirty="0" smtClean="0"/>
+            <a:endParaRPr lang="en-US" dirty="0"/>
           </a:p>
           <a:p>
             <a:r>
               <a:rPr lang="en-US" dirty="0">
                 <a:hlinkClick r:id="rId3"/>
               </a:rPr>
-              <a:t>A</a:t>
-            </a:r>
-            <a:r>
-              <a:rPr lang="en-US" dirty="0" smtClean="0">
-                <a:hlinkClick r:id="rId3"/>
-              </a:rPr>
-              <a:t>nother google doc </a:t>
-            </a:r>
-            <a:r>
-              <a:rPr lang="en-US" dirty="0" smtClean="0"/>
+              <a:t>Another google doc </a:t>
+            </a:r>
+            <a:r>
+              <a:rPr lang="en-US" dirty="0"/>
               <a:t> done by Data School (not all the information in there is “correct”)</a:t>
             </a:r>
           </a:p>
           <a:p>
             <a:r>
-              <a:rPr lang="en-US" dirty="0" smtClean="0">
+              <a:rPr lang="en-US" dirty="0">
                 <a:hlinkClick r:id="rId4"/>
               </a:rPr>
               <a:t>Sklearn map</a:t>
@@ -4866,60 +4812,36 @@
           </a:p>
           <a:p>
             <a:r>
-              <a:rPr lang="en-US" dirty="0" smtClean="0"/>
+              <a:rPr lang="en-US" dirty="0"/>
               <a:t>Comparison Methodology</a:t>
             </a:r>
-            <a:endParaRPr lang="en-US" dirty="0" smtClean="0">
+            <a:endParaRPr lang="en-US" dirty="0">
               <a:hlinkClick r:id="rId5"/>
             </a:endParaRPr>
           </a:p>
           <a:p>
             <a:pPr lvl="1"/>
-            <a:r>
-              <a:rPr lang="en-US" dirty="0" smtClean="0">
-                <a:hlinkClick r:id="rId5"/>
-              </a:rPr>
-              <a:t>http</a:t>
-            </a:r>
             <a:r>
               <a:rPr lang="en-US" dirty="0">
                 <a:hlinkClick r:id="rId5"/>
               </a:rPr>
-              <a:t>://</a:t>
-            </a:r>
-            <a:r>
-              <a:rPr lang="en-US" dirty="0" smtClean="0">
-                <a:hlinkClick r:id="rId5"/>
-              </a:rPr>
-              <a:t>jmlr.org/papers/volume15/delgado14a/delgado14a.pdf</a:t>
-            </a:r>
-            <a:endParaRPr lang="en-US" dirty="0" smtClean="0"/>
+              <a:t>http://jmlr.org/papers/volume15/delgado14a/delgado14a.pdf</a:t>
+            </a:r>
+            <a:endParaRPr lang="en-US" dirty="0"/>
           </a:p>
           <a:p>
             <a:pPr lvl="1"/>
-            <a:r>
-              <a:rPr lang="en-US" dirty="0" smtClean="0">
-                <a:hlinkClick r:id="rId6"/>
-              </a:rPr>
-              <a:t>http</a:t>
-            </a:r>
             <a:r>
               <a:rPr lang="en-US" dirty="0">
                 <a:hlinkClick r:id="rId6"/>
               </a:rPr>
-              <a:t>://</a:t>
-            </a:r>
-            <a:r>
-              <a:rPr lang="en-US" dirty="0" smtClean="0">
-                <a:hlinkClick r:id="rId6"/>
-              </a:rPr>
-              <a:t>citeseerx.ist.psu.edu/viewdoc/summary?doi=10.1.1.122.5901</a:t>
-            </a:r>
-            <a:endParaRPr lang="en-US" dirty="0" smtClean="0"/>
-          </a:p>
-          <a:p>
+              <a:t>http://citeseerx.ist.psu.edu/viewdoc/summary?doi=10.1.1.122.5901</a:t>
+            </a:r>
             <a:endParaRPr lang="en-US" dirty="0"/>
           </a:p>
+          <a:p>
+            <a:endParaRPr lang="en-US" dirty="0"/>
+          </a:p>
         </p:txBody>
       </p:sp>
       <p:sp>
@@ -4938,10 +4860,9 @@
           <a:lstStyle/>
           <a:p>
             <a:r>
-              <a:rPr lang="en-US" dirty="0" smtClean="0"/>
+              <a:rPr lang="en-US" dirty="0"/>
               <a:t>Classifier Comparisons</a:t>
             </a:r>
-            <a:endParaRPr lang="en-US" dirty="0"/>
           </a:p>
         </p:txBody>
       </p:sp>
